--- a/课程/高级/nodejs+angularjs.pptx
+++ b/课程/高级/nodejs+angularjs.pptx
@@ -4,6 +4,11 @@
   <p:sldMasterIdLst>
     <p:sldMasterId id="2147483648" r:id="rId1"/>
   </p:sldMasterIdLst>
+  <p:sldIdLst>
+    <p:sldId id="256" r:id="rId3"/>
+    <p:sldId id="258" r:id="rId4"/>
+    <p:sldId id="257" r:id="rId5"/>
+  </p:sldIdLst>
   <p:sldSz cx="12192000" cy="6858000"/>
   <p:notesSz cx="6858000" cy="9144000"/>
   <p:defaultTextStyle>
@@ -235,7 +240,6 @@
           <a:p>
             <a:fld id="{D997B5FA-0921-464F-AAE1-844C04324D75}" type="datetimeFigureOut">
               <a:rPr lang="zh-CN" altLang="en-US" smtClean="0"/>
-              <a:t>2015/5/5</a:t>
             </a:fld>
             <a:endParaRPr lang="zh-CN" altLang="en-US"/>
           </a:p>
@@ -277,18 +281,12 @@
           <a:p>
             <a:fld id="{565CE74E-AB26-4998-AD42-012C4C1AD076}" type="slidenum">
               <a:rPr lang="zh-CN" altLang="en-US" smtClean="0"/>
-              <a:t>‹#›</a:t>
             </a:fld>
             <a:endParaRPr lang="zh-CN" altLang="en-US"/>
           </a:p>
         </p:txBody>
       </p:sp>
     </p:spTree>
-    <p:extLst>
-      <p:ext uri="{BB962C8B-B14F-4D97-AF65-F5344CB8AC3E}">
-        <p14:creationId xmlns:p14="http://schemas.microsoft.com/office/powerpoint/2010/main" val="3051827620"/>
-      </p:ext>
-    </p:extLst>
   </p:cSld>
   <p:clrMapOvr>
     <a:masterClrMapping/>
@@ -356,6 +354,7 @@
               <a:rPr lang="zh-CN" altLang="en-US" smtClean="0"/>
               <a:t>单击此处编辑母版文本样式</a:t>
             </a:r>
+            <a:endParaRPr lang="zh-CN" altLang="en-US" smtClean="0"/>
           </a:p>
           <a:p>
             <a:pPr lvl="1"/>
@@ -363,6 +362,7 @@
               <a:rPr lang="zh-CN" altLang="en-US" smtClean="0"/>
               <a:t>第二级</a:t>
             </a:r>
+            <a:endParaRPr lang="zh-CN" altLang="en-US" smtClean="0"/>
           </a:p>
           <a:p>
             <a:pPr lvl="2"/>
@@ -370,6 +370,7 @@
               <a:rPr lang="zh-CN" altLang="en-US" smtClean="0"/>
               <a:t>第三级</a:t>
             </a:r>
+            <a:endParaRPr lang="zh-CN" altLang="en-US" smtClean="0"/>
           </a:p>
           <a:p>
             <a:pPr lvl="3"/>
@@ -377,6 +378,7 @@
               <a:rPr lang="zh-CN" altLang="en-US" smtClean="0"/>
               <a:t>第四级</a:t>
             </a:r>
+            <a:endParaRPr lang="zh-CN" altLang="en-US" smtClean="0"/>
           </a:p>
           <a:p>
             <a:pPr lvl="4"/>
@@ -405,7 +407,6 @@
           <a:p>
             <a:fld id="{D997B5FA-0921-464F-AAE1-844C04324D75}" type="datetimeFigureOut">
               <a:rPr lang="zh-CN" altLang="en-US" smtClean="0"/>
-              <a:t>2015/5/5</a:t>
             </a:fld>
             <a:endParaRPr lang="zh-CN" altLang="en-US"/>
           </a:p>
@@ -447,18 +448,12 @@
           <a:p>
             <a:fld id="{565CE74E-AB26-4998-AD42-012C4C1AD076}" type="slidenum">
               <a:rPr lang="zh-CN" altLang="en-US" smtClean="0"/>
-              <a:t>‹#›</a:t>
             </a:fld>
             <a:endParaRPr lang="zh-CN" altLang="en-US"/>
           </a:p>
         </p:txBody>
       </p:sp>
     </p:spTree>
-    <p:extLst>
-      <p:ext uri="{BB962C8B-B14F-4D97-AF65-F5344CB8AC3E}">
-        <p14:creationId xmlns:p14="http://schemas.microsoft.com/office/powerpoint/2010/main" val="3188717747"/>
-      </p:ext>
-    </p:extLst>
   </p:cSld>
   <p:clrMapOvr>
     <a:masterClrMapping/>
@@ -536,6 +531,7 @@
               <a:rPr lang="zh-CN" altLang="en-US" smtClean="0"/>
               <a:t>单击此处编辑母版文本样式</a:t>
             </a:r>
+            <a:endParaRPr lang="zh-CN" altLang="en-US" smtClean="0"/>
           </a:p>
           <a:p>
             <a:pPr lvl="1"/>
@@ -543,6 +539,7 @@
               <a:rPr lang="zh-CN" altLang="en-US" smtClean="0"/>
               <a:t>第二级</a:t>
             </a:r>
+            <a:endParaRPr lang="zh-CN" altLang="en-US" smtClean="0"/>
           </a:p>
           <a:p>
             <a:pPr lvl="2"/>
@@ -550,6 +547,7 @@
               <a:rPr lang="zh-CN" altLang="en-US" smtClean="0"/>
               <a:t>第三级</a:t>
             </a:r>
+            <a:endParaRPr lang="zh-CN" altLang="en-US" smtClean="0"/>
           </a:p>
           <a:p>
             <a:pPr lvl="3"/>
@@ -557,6 +555,7 @@
               <a:rPr lang="zh-CN" altLang="en-US" smtClean="0"/>
               <a:t>第四级</a:t>
             </a:r>
+            <a:endParaRPr lang="zh-CN" altLang="en-US" smtClean="0"/>
           </a:p>
           <a:p>
             <a:pPr lvl="4"/>
@@ -585,7 +584,6 @@
           <a:p>
             <a:fld id="{D997B5FA-0921-464F-AAE1-844C04324D75}" type="datetimeFigureOut">
               <a:rPr lang="zh-CN" altLang="en-US" smtClean="0"/>
-              <a:t>2015/5/5</a:t>
             </a:fld>
             <a:endParaRPr lang="zh-CN" altLang="en-US"/>
           </a:p>
@@ -627,18 +625,12 @@
           <a:p>
             <a:fld id="{565CE74E-AB26-4998-AD42-012C4C1AD076}" type="slidenum">
               <a:rPr lang="zh-CN" altLang="en-US" smtClean="0"/>
-              <a:t>‹#›</a:t>
             </a:fld>
             <a:endParaRPr lang="zh-CN" altLang="en-US"/>
           </a:p>
         </p:txBody>
       </p:sp>
     </p:spTree>
-    <p:extLst>
-      <p:ext uri="{BB962C8B-B14F-4D97-AF65-F5344CB8AC3E}">
-        <p14:creationId xmlns:p14="http://schemas.microsoft.com/office/powerpoint/2010/main" val="4025501431"/>
-      </p:ext>
-    </p:extLst>
   </p:cSld>
   <p:clrMapOvr>
     <a:masterClrMapping/>
@@ -706,6 +698,7 @@
               <a:rPr lang="zh-CN" altLang="en-US" smtClean="0"/>
               <a:t>单击此处编辑母版文本样式</a:t>
             </a:r>
+            <a:endParaRPr lang="zh-CN" altLang="en-US" smtClean="0"/>
           </a:p>
           <a:p>
             <a:pPr lvl="1"/>
@@ -713,6 +706,7 @@
               <a:rPr lang="zh-CN" altLang="en-US" smtClean="0"/>
               <a:t>第二级</a:t>
             </a:r>
+            <a:endParaRPr lang="zh-CN" altLang="en-US" smtClean="0"/>
           </a:p>
           <a:p>
             <a:pPr lvl="2"/>
@@ -720,6 +714,7 @@
               <a:rPr lang="zh-CN" altLang="en-US" smtClean="0"/>
               <a:t>第三级</a:t>
             </a:r>
+            <a:endParaRPr lang="zh-CN" altLang="en-US" smtClean="0"/>
           </a:p>
           <a:p>
             <a:pPr lvl="3"/>
@@ -727,6 +722,7 @@
               <a:rPr lang="zh-CN" altLang="en-US" smtClean="0"/>
               <a:t>第四级</a:t>
             </a:r>
+            <a:endParaRPr lang="zh-CN" altLang="en-US" smtClean="0"/>
           </a:p>
           <a:p>
             <a:pPr lvl="4"/>
@@ -755,7 +751,6 @@
           <a:p>
             <a:fld id="{D997B5FA-0921-464F-AAE1-844C04324D75}" type="datetimeFigureOut">
               <a:rPr lang="zh-CN" altLang="en-US" smtClean="0"/>
-              <a:t>2015/5/5</a:t>
             </a:fld>
             <a:endParaRPr lang="zh-CN" altLang="en-US"/>
           </a:p>
@@ -797,18 +792,12 @@
           <a:p>
             <a:fld id="{565CE74E-AB26-4998-AD42-012C4C1AD076}" type="slidenum">
               <a:rPr lang="zh-CN" altLang="en-US" smtClean="0"/>
-              <a:t>‹#›</a:t>
             </a:fld>
             <a:endParaRPr lang="zh-CN" altLang="en-US"/>
           </a:p>
         </p:txBody>
       </p:sp>
     </p:spTree>
-    <p:extLst>
-      <p:ext uri="{BB962C8B-B14F-4D97-AF65-F5344CB8AC3E}">
-        <p14:creationId xmlns:p14="http://schemas.microsoft.com/office/powerpoint/2010/main" val="598653943"/>
-      </p:ext>
-    </p:extLst>
   </p:cSld>
   <p:clrMapOvr>
     <a:masterClrMapping/>
@@ -981,6 +970,7 @@
               <a:rPr lang="zh-CN" altLang="en-US" smtClean="0"/>
               <a:t>单击此处编辑母版文本样式</a:t>
             </a:r>
+            <a:endParaRPr lang="zh-CN" altLang="en-US" smtClean="0"/>
           </a:p>
         </p:txBody>
       </p:sp>
@@ -1001,7 +991,6 @@
           <a:p>
             <a:fld id="{D997B5FA-0921-464F-AAE1-844C04324D75}" type="datetimeFigureOut">
               <a:rPr lang="zh-CN" altLang="en-US" smtClean="0"/>
-              <a:t>2015/5/5</a:t>
             </a:fld>
             <a:endParaRPr lang="zh-CN" altLang="en-US"/>
           </a:p>
@@ -1043,18 +1032,12 @@
           <a:p>
             <a:fld id="{565CE74E-AB26-4998-AD42-012C4C1AD076}" type="slidenum">
               <a:rPr lang="zh-CN" altLang="en-US" smtClean="0"/>
-              <a:t>‹#›</a:t>
             </a:fld>
             <a:endParaRPr lang="zh-CN" altLang="en-US"/>
           </a:p>
         </p:txBody>
       </p:sp>
     </p:spTree>
-    <p:extLst>
-      <p:ext uri="{BB962C8B-B14F-4D97-AF65-F5344CB8AC3E}">
-        <p14:creationId xmlns:p14="http://schemas.microsoft.com/office/powerpoint/2010/main" val="1612184157"/>
-      </p:ext>
-    </p:extLst>
   </p:cSld>
   <p:clrMapOvr>
     <a:masterClrMapping/>
@@ -1127,6 +1110,7 @@
               <a:rPr lang="zh-CN" altLang="en-US" smtClean="0"/>
               <a:t>单击此处编辑母版文本样式</a:t>
             </a:r>
+            <a:endParaRPr lang="zh-CN" altLang="en-US" smtClean="0"/>
           </a:p>
           <a:p>
             <a:pPr lvl="1"/>
@@ -1134,6 +1118,7 @@
               <a:rPr lang="zh-CN" altLang="en-US" smtClean="0"/>
               <a:t>第二级</a:t>
             </a:r>
+            <a:endParaRPr lang="zh-CN" altLang="en-US" smtClean="0"/>
           </a:p>
           <a:p>
             <a:pPr lvl="2"/>
@@ -1141,6 +1126,7 @@
               <a:rPr lang="zh-CN" altLang="en-US" smtClean="0"/>
               <a:t>第三级</a:t>
             </a:r>
+            <a:endParaRPr lang="zh-CN" altLang="en-US" smtClean="0"/>
           </a:p>
           <a:p>
             <a:pPr lvl="3"/>
@@ -1148,6 +1134,7 @@
               <a:rPr lang="zh-CN" altLang="en-US" smtClean="0"/>
               <a:t>第四级</a:t>
             </a:r>
+            <a:endParaRPr lang="zh-CN" altLang="en-US" smtClean="0"/>
           </a:p>
           <a:p>
             <a:pPr lvl="4"/>
@@ -1184,6 +1171,7 @@
               <a:rPr lang="zh-CN" altLang="en-US" smtClean="0"/>
               <a:t>单击此处编辑母版文本样式</a:t>
             </a:r>
+            <a:endParaRPr lang="zh-CN" altLang="en-US" smtClean="0"/>
           </a:p>
           <a:p>
             <a:pPr lvl="1"/>
@@ -1191,6 +1179,7 @@
               <a:rPr lang="zh-CN" altLang="en-US" smtClean="0"/>
               <a:t>第二级</a:t>
             </a:r>
+            <a:endParaRPr lang="zh-CN" altLang="en-US" smtClean="0"/>
           </a:p>
           <a:p>
             <a:pPr lvl="2"/>
@@ -1198,6 +1187,7 @@
               <a:rPr lang="zh-CN" altLang="en-US" smtClean="0"/>
               <a:t>第三级</a:t>
             </a:r>
+            <a:endParaRPr lang="zh-CN" altLang="en-US" smtClean="0"/>
           </a:p>
           <a:p>
             <a:pPr lvl="3"/>
@@ -1205,6 +1195,7 @@
               <a:rPr lang="zh-CN" altLang="en-US" smtClean="0"/>
               <a:t>第四级</a:t>
             </a:r>
+            <a:endParaRPr lang="zh-CN" altLang="en-US" smtClean="0"/>
           </a:p>
           <a:p>
             <a:pPr lvl="4"/>
@@ -1233,7 +1224,6 @@
           <a:p>
             <a:fld id="{D997B5FA-0921-464F-AAE1-844C04324D75}" type="datetimeFigureOut">
               <a:rPr lang="zh-CN" altLang="en-US" smtClean="0"/>
-              <a:t>2015/5/5</a:t>
             </a:fld>
             <a:endParaRPr lang="zh-CN" altLang="en-US"/>
           </a:p>
@@ -1275,18 +1265,12 @@
           <a:p>
             <a:fld id="{565CE74E-AB26-4998-AD42-012C4C1AD076}" type="slidenum">
               <a:rPr lang="zh-CN" altLang="en-US" smtClean="0"/>
-              <a:t>‹#›</a:t>
             </a:fld>
             <a:endParaRPr lang="zh-CN" altLang="en-US"/>
           </a:p>
         </p:txBody>
       </p:sp>
     </p:spTree>
-    <p:extLst>
-      <p:ext uri="{BB962C8B-B14F-4D97-AF65-F5344CB8AC3E}">
-        <p14:creationId xmlns:p14="http://schemas.microsoft.com/office/powerpoint/2010/main" val="2905825717"/>
-      </p:ext>
-    </p:extLst>
   </p:cSld>
   <p:clrMapOvr>
     <a:masterClrMapping/>
@@ -1401,6 +1385,7 @@
               <a:rPr lang="zh-CN" altLang="en-US" smtClean="0"/>
               <a:t>单击此处编辑母版文本样式</a:t>
             </a:r>
+            <a:endParaRPr lang="zh-CN" altLang="en-US" smtClean="0"/>
           </a:p>
         </p:txBody>
       </p:sp>
@@ -1429,6 +1414,7 @@
               <a:rPr lang="zh-CN" altLang="en-US" smtClean="0"/>
               <a:t>单击此处编辑母版文本样式</a:t>
             </a:r>
+            <a:endParaRPr lang="zh-CN" altLang="en-US" smtClean="0"/>
           </a:p>
           <a:p>
             <a:pPr lvl="1"/>
@@ -1436,6 +1422,7 @@
               <a:rPr lang="zh-CN" altLang="en-US" smtClean="0"/>
               <a:t>第二级</a:t>
             </a:r>
+            <a:endParaRPr lang="zh-CN" altLang="en-US" smtClean="0"/>
           </a:p>
           <a:p>
             <a:pPr lvl="2"/>
@@ -1443,6 +1430,7 @@
               <a:rPr lang="zh-CN" altLang="en-US" smtClean="0"/>
               <a:t>第三级</a:t>
             </a:r>
+            <a:endParaRPr lang="zh-CN" altLang="en-US" smtClean="0"/>
           </a:p>
           <a:p>
             <a:pPr lvl="3"/>
@@ -1450,6 +1438,7 @@
               <a:rPr lang="zh-CN" altLang="en-US" smtClean="0"/>
               <a:t>第四级</a:t>
             </a:r>
+            <a:endParaRPr lang="zh-CN" altLang="en-US" smtClean="0"/>
           </a:p>
           <a:p>
             <a:pPr lvl="4"/>
@@ -1523,6 +1512,7 @@
               <a:rPr lang="zh-CN" altLang="en-US" smtClean="0"/>
               <a:t>单击此处编辑母版文本样式</a:t>
             </a:r>
+            <a:endParaRPr lang="zh-CN" altLang="en-US" smtClean="0"/>
           </a:p>
         </p:txBody>
       </p:sp>
@@ -1551,6 +1541,7 @@
               <a:rPr lang="zh-CN" altLang="en-US" smtClean="0"/>
               <a:t>单击此处编辑母版文本样式</a:t>
             </a:r>
+            <a:endParaRPr lang="zh-CN" altLang="en-US" smtClean="0"/>
           </a:p>
           <a:p>
             <a:pPr lvl="1"/>
@@ -1558,6 +1549,7 @@
               <a:rPr lang="zh-CN" altLang="en-US" smtClean="0"/>
               <a:t>第二级</a:t>
             </a:r>
+            <a:endParaRPr lang="zh-CN" altLang="en-US" smtClean="0"/>
           </a:p>
           <a:p>
             <a:pPr lvl="2"/>
@@ -1565,6 +1557,7 @@
               <a:rPr lang="zh-CN" altLang="en-US" smtClean="0"/>
               <a:t>第三级</a:t>
             </a:r>
+            <a:endParaRPr lang="zh-CN" altLang="en-US" smtClean="0"/>
           </a:p>
           <a:p>
             <a:pPr lvl="3"/>
@@ -1572,6 +1565,7 @@
               <a:rPr lang="zh-CN" altLang="en-US" smtClean="0"/>
               <a:t>第四级</a:t>
             </a:r>
+            <a:endParaRPr lang="zh-CN" altLang="en-US" smtClean="0"/>
           </a:p>
           <a:p>
             <a:pPr lvl="4"/>
@@ -1600,7 +1594,6 @@
           <a:p>
             <a:fld id="{D997B5FA-0921-464F-AAE1-844C04324D75}" type="datetimeFigureOut">
               <a:rPr lang="zh-CN" altLang="en-US" smtClean="0"/>
-              <a:t>2015/5/5</a:t>
             </a:fld>
             <a:endParaRPr lang="zh-CN" altLang="en-US"/>
           </a:p>
@@ -1642,18 +1635,12 @@
           <a:p>
             <a:fld id="{565CE74E-AB26-4998-AD42-012C4C1AD076}" type="slidenum">
               <a:rPr lang="zh-CN" altLang="en-US" smtClean="0"/>
-              <a:t>‹#›</a:t>
             </a:fld>
             <a:endParaRPr lang="zh-CN" altLang="en-US"/>
           </a:p>
         </p:txBody>
       </p:sp>
     </p:spTree>
-    <p:extLst>
-      <p:ext uri="{BB962C8B-B14F-4D97-AF65-F5344CB8AC3E}">
-        <p14:creationId xmlns:p14="http://schemas.microsoft.com/office/powerpoint/2010/main" val="168117047"/>
-      </p:ext>
-    </p:extLst>
   </p:cSld>
   <p:clrMapOvr>
     <a:masterClrMapping/>
@@ -1718,7 +1705,6 @@
           <a:p>
             <a:fld id="{D997B5FA-0921-464F-AAE1-844C04324D75}" type="datetimeFigureOut">
               <a:rPr lang="zh-CN" altLang="en-US" smtClean="0"/>
-              <a:t>2015/5/5</a:t>
             </a:fld>
             <a:endParaRPr lang="zh-CN" altLang="en-US"/>
           </a:p>
@@ -1760,18 +1746,12 @@
           <a:p>
             <a:fld id="{565CE74E-AB26-4998-AD42-012C4C1AD076}" type="slidenum">
               <a:rPr lang="zh-CN" altLang="en-US" smtClean="0"/>
-              <a:t>‹#›</a:t>
             </a:fld>
             <a:endParaRPr lang="zh-CN" altLang="en-US"/>
           </a:p>
         </p:txBody>
       </p:sp>
     </p:spTree>
-    <p:extLst>
-      <p:ext uri="{BB962C8B-B14F-4D97-AF65-F5344CB8AC3E}">
-        <p14:creationId xmlns:p14="http://schemas.microsoft.com/office/powerpoint/2010/main" val="2764406021"/>
-      </p:ext>
-    </p:extLst>
   </p:cSld>
   <p:clrMapOvr>
     <a:masterClrMapping/>
@@ -1813,7 +1793,6 @@
           <a:p>
             <a:fld id="{D997B5FA-0921-464F-AAE1-844C04324D75}" type="datetimeFigureOut">
               <a:rPr lang="zh-CN" altLang="en-US" smtClean="0"/>
-              <a:t>2015/5/5</a:t>
             </a:fld>
             <a:endParaRPr lang="zh-CN" altLang="en-US"/>
           </a:p>
@@ -1855,18 +1834,12 @@
           <a:p>
             <a:fld id="{565CE74E-AB26-4998-AD42-012C4C1AD076}" type="slidenum">
               <a:rPr lang="zh-CN" altLang="en-US" smtClean="0"/>
-              <a:t>‹#›</a:t>
             </a:fld>
             <a:endParaRPr lang="zh-CN" altLang="en-US"/>
           </a:p>
         </p:txBody>
       </p:sp>
     </p:spTree>
-    <p:extLst>
-      <p:ext uri="{BB962C8B-B14F-4D97-AF65-F5344CB8AC3E}">
-        <p14:creationId xmlns:p14="http://schemas.microsoft.com/office/powerpoint/2010/main" val="276523006"/>
-      </p:ext>
-    </p:extLst>
   </p:cSld>
   <p:clrMapOvr>
     <a:masterClrMapping/>
@@ -1976,6 +1949,7 @@
               <a:rPr lang="zh-CN" altLang="en-US" smtClean="0"/>
               <a:t>单击此处编辑母版文本样式</a:t>
             </a:r>
+            <a:endParaRPr lang="zh-CN" altLang="en-US" smtClean="0"/>
           </a:p>
           <a:p>
             <a:pPr lvl="1"/>
@@ -1983,6 +1957,7 @@
               <a:rPr lang="zh-CN" altLang="en-US" smtClean="0"/>
               <a:t>第二级</a:t>
             </a:r>
+            <a:endParaRPr lang="zh-CN" altLang="en-US" smtClean="0"/>
           </a:p>
           <a:p>
             <a:pPr lvl="2"/>
@@ -1990,6 +1965,7 @@
               <a:rPr lang="zh-CN" altLang="en-US" smtClean="0"/>
               <a:t>第三级</a:t>
             </a:r>
+            <a:endParaRPr lang="zh-CN" altLang="en-US" smtClean="0"/>
           </a:p>
           <a:p>
             <a:pPr lvl="3"/>
@@ -1997,6 +1973,7 @@
               <a:rPr lang="zh-CN" altLang="en-US" smtClean="0"/>
               <a:t>第四级</a:t>
             </a:r>
+            <a:endParaRPr lang="zh-CN" altLang="en-US" smtClean="0"/>
           </a:p>
           <a:p>
             <a:pPr lvl="4"/>
@@ -2070,6 +2047,7 @@
               <a:rPr lang="zh-CN" altLang="en-US" smtClean="0"/>
               <a:t>单击此处编辑母版文本样式</a:t>
             </a:r>
+            <a:endParaRPr lang="zh-CN" altLang="en-US" smtClean="0"/>
           </a:p>
         </p:txBody>
       </p:sp>
@@ -2090,7 +2068,6 @@
           <a:p>
             <a:fld id="{D997B5FA-0921-464F-AAE1-844C04324D75}" type="datetimeFigureOut">
               <a:rPr lang="zh-CN" altLang="en-US" smtClean="0"/>
-              <a:t>2015/5/5</a:t>
             </a:fld>
             <a:endParaRPr lang="zh-CN" altLang="en-US"/>
           </a:p>
@@ -2132,18 +2109,12 @@
           <a:p>
             <a:fld id="{565CE74E-AB26-4998-AD42-012C4C1AD076}" type="slidenum">
               <a:rPr lang="zh-CN" altLang="en-US" smtClean="0"/>
-              <a:t>‹#›</a:t>
             </a:fld>
             <a:endParaRPr lang="zh-CN" altLang="en-US"/>
           </a:p>
         </p:txBody>
       </p:sp>
     </p:spTree>
-    <p:extLst>
-      <p:ext uri="{BB962C8B-B14F-4D97-AF65-F5344CB8AC3E}">
-        <p14:creationId xmlns:p14="http://schemas.microsoft.com/office/powerpoint/2010/main" val="694758376"/>
-      </p:ext>
-    </p:extLst>
   </p:cSld>
   <p:clrMapOvr>
     <a:masterClrMapping/>
@@ -2323,6 +2294,7 @@
               <a:rPr lang="zh-CN" altLang="en-US" smtClean="0"/>
               <a:t>单击此处编辑母版文本样式</a:t>
             </a:r>
+            <a:endParaRPr lang="zh-CN" altLang="en-US" smtClean="0"/>
           </a:p>
         </p:txBody>
       </p:sp>
@@ -2343,7 +2315,6 @@
           <a:p>
             <a:fld id="{D997B5FA-0921-464F-AAE1-844C04324D75}" type="datetimeFigureOut">
               <a:rPr lang="zh-CN" altLang="en-US" smtClean="0"/>
-              <a:t>2015/5/5</a:t>
             </a:fld>
             <a:endParaRPr lang="zh-CN" altLang="en-US"/>
           </a:p>
@@ -2385,18 +2356,12 @@
           <a:p>
             <a:fld id="{565CE74E-AB26-4998-AD42-012C4C1AD076}" type="slidenum">
               <a:rPr lang="zh-CN" altLang="en-US" smtClean="0"/>
-              <a:t>‹#›</a:t>
             </a:fld>
             <a:endParaRPr lang="zh-CN" altLang="en-US"/>
           </a:p>
         </p:txBody>
       </p:sp>
     </p:spTree>
-    <p:extLst>
-      <p:ext uri="{BB962C8B-B14F-4D97-AF65-F5344CB8AC3E}">
-        <p14:creationId xmlns:p14="http://schemas.microsoft.com/office/powerpoint/2010/main" val="477805659"/>
-      </p:ext>
-    </p:extLst>
   </p:cSld>
   <p:clrMapOvr>
     <a:masterClrMapping/>
@@ -2489,6 +2454,7 @@
               <a:rPr lang="zh-CN" altLang="en-US" smtClean="0"/>
               <a:t>单击此处编辑母版文本样式</a:t>
             </a:r>
+            <a:endParaRPr lang="zh-CN" altLang="en-US" smtClean="0"/>
           </a:p>
           <a:p>
             <a:pPr lvl="1"/>
@@ -2496,6 +2462,7 @@
               <a:rPr lang="zh-CN" altLang="en-US" smtClean="0"/>
               <a:t>第二级</a:t>
             </a:r>
+            <a:endParaRPr lang="zh-CN" altLang="en-US" smtClean="0"/>
           </a:p>
           <a:p>
             <a:pPr lvl="2"/>
@@ -2503,6 +2470,7 @@
               <a:rPr lang="zh-CN" altLang="en-US" smtClean="0"/>
               <a:t>第三级</a:t>
             </a:r>
+            <a:endParaRPr lang="zh-CN" altLang="en-US" smtClean="0"/>
           </a:p>
           <a:p>
             <a:pPr lvl="3"/>
@@ -2510,6 +2478,7 @@
               <a:rPr lang="zh-CN" altLang="en-US" smtClean="0"/>
               <a:t>第四级</a:t>
             </a:r>
+            <a:endParaRPr lang="zh-CN" altLang="en-US" smtClean="0"/>
           </a:p>
           <a:p>
             <a:pPr lvl="4"/>
@@ -2556,7 +2525,6 @@
           <a:p>
             <a:fld id="{D997B5FA-0921-464F-AAE1-844C04324D75}" type="datetimeFigureOut">
               <a:rPr lang="zh-CN" altLang="en-US" smtClean="0"/>
-              <a:t>2015/5/5</a:t>
             </a:fld>
             <a:endParaRPr lang="zh-CN" altLang="en-US"/>
           </a:p>
@@ -2634,18 +2602,12 @@
           <a:p>
             <a:fld id="{565CE74E-AB26-4998-AD42-012C4C1AD076}" type="slidenum">
               <a:rPr lang="zh-CN" altLang="en-US" smtClean="0"/>
-              <a:t>‹#›</a:t>
             </a:fld>
             <a:endParaRPr lang="zh-CN" altLang="en-US"/>
           </a:p>
         </p:txBody>
       </p:sp>
     </p:spTree>
-    <p:extLst>
-      <p:ext uri="{BB962C8B-B14F-4D97-AF65-F5344CB8AC3E}">
-        <p14:creationId xmlns:p14="http://schemas.microsoft.com/office/powerpoint/2010/main" val="2003094035"/>
-      </p:ext>
-    </p:extLst>
   </p:cSld>
   <p:clrMap bg1="lt1" tx1="dk1" bg2="lt2" tx2="dk2" accent1="accent1" accent2="accent2" accent3="accent3" accent4="accent4" accent5="accent5" accent6="accent6" hlink="hlink" folHlink="folHlink"/>
   <p:sldLayoutIdLst>
@@ -2689,7 +2651,7 @@
         <a:spcBef>
           <a:spcPts val="1000"/>
         </a:spcBef>
-        <a:buFont typeface="Arial" panose="020B0604020202020204" pitchFamily="34" charset="0"/>
+        <a:buFont typeface="Arial" pitchFamily="34" charset="0"/>
         <a:buChar char="•"/>
         <a:defRPr sz="2800" kern="1200">
           <a:solidFill>
@@ -2707,7 +2669,7 @@
         <a:spcBef>
           <a:spcPts val="500"/>
         </a:spcBef>
-        <a:buFont typeface="Arial" panose="020B0604020202020204" pitchFamily="34" charset="0"/>
+        <a:buFont typeface="Arial" pitchFamily="34" charset="0"/>
         <a:buChar char="•"/>
         <a:defRPr sz="2400" kern="1200">
           <a:solidFill>
@@ -2725,7 +2687,7 @@
         <a:spcBef>
           <a:spcPts val="500"/>
         </a:spcBef>
-        <a:buFont typeface="Arial" panose="020B0604020202020204" pitchFamily="34" charset="0"/>
+        <a:buFont typeface="Arial" pitchFamily="34" charset="0"/>
         <a:buChar char="•"/>
         <a:defRPr sz="2000" kern="1200">
           <a:solidFill>
@@ -2743,7 +2705,7 @@
         <a:spcBef>
           <a:spcPts val="500"/>
         </a:spcBef>
-        <a:buFont typeface="Arial" panose="020B0604020202020204" pitchFamily="34" charset="0"/>
+        <a:buFont typeface="Arial" pitchFamily="34" charset="0"/>
         <a:buChar char="•"/>
         <a:defRPr sz="1800" kern="1200">
           <a:solidFill>
@@ -2761,7 +2723,7 @@
         <a:spcBef>
           <a:spcPts val="500"/>
         </a:spcBef>
-        <a:buFont typeface="Arial" panose="020B0604020202020204" pitchFamily="34" charset="0"/>
+        <a:buFont typeface="Arial" pitchFamily="34" charset="0"/>
         <a:buChar char="•"/>
         <a:defRPr sz="1800" kern="1200">
           <a:solidFill>
@@ -2779,7 +2741,7 @@
         <a:spcBef>
           <a:spcPts val="500"/>
         </a:spcBef>
-        <a:buFont typeface="Arial" panose="020B0604020202020204" pitchFamily="34" charset="0"/>
+        <a:buFont typeface="Arial" pitchFamily="34" charset="0"/>
         <a:buChar char="•"/>
         <a:defRPr sz="1800" kern="1200">
           <a:solidFill>
@@ -2797,7 +2759,7 @@
         <a:spcBef>
           <a:spcPts val="500"/>
         </a:spcBef>
-        <a:buFont typeface="Arial" panose="020B0604020202020204" pitchFamily="34" charset="0"/>
+        <a:buFont typeface="Arial" pitchFamily="34" charset="0"/>
         <a:buChar char="•"/>
         <a:defRPr sz="1800" kern="1200">
           <a:solidFill>
@@ -2815,7 +2777,7 @@
         <a:spcBef>
           <a:spcPts val="500"/>
         </a:spcBef>
-        <a:buFont typeface="Arial" panose="020B0604020202020204" pitchFamily="34" charset="0"/>
+        <a:buFont typeface="Arial" pitchFamily="34" charset="0"/>
         <a:buChar char="•"/>
         <a:defRPr sz="1800" kern="1200">
           <a:solidFill>
@@ -2833,7 +2795,7 @@
         <a:spcBef>
           <a:spcPts val="500"/>
         </a:spcBef>
-        <a:buFont typeface="Arial" panose="020B0604020202020204" pitchFamily="34" charset="0"/>
+        <a:buFont typeface="Arial" pitchFamily="34" charset="0"/>
         <a:buChar char="•"/>
         <a:defRPr sz="1800" kern="1200">
           <a:solidFill>
@@ -2944,6 +2906,188 @@
 </p:sldMaster>
 </file>
 
+<file path=ppt/slides/slide1.xml><?xml version="1.0" encoding="utf-8"?>
+<p:sld xmlns:a="http://schemas.openxmlformats.org/drawingml/2006/main" xmlns:r="http://schemas.openxmlformats.org/officeDocument/2006/relationships" xmlns:p="http://schemas.openxmlformats.org/presentationml/2006/main">
+  <p:cSld>
+    <p:spTree>
+      <p:nvGrpSpPr>
+        <p:cNvPr id="1" name=""/>
+        <p:cNvGrpSpPr/>
+        <p:nvPr/>
+      </p:nvGrpSpPr>
+      <p:grpSpPr/>
+      <p:sp>
+        <p:nvSpPr>
+          <p:cNvPr id="2" name="标题 1"/>
+          <p:cNvSpPr>
+            <a:spLocks noGrp="1"/>
+          </p:cNvSpPr>
+          <p:nvPr>
+            <p:ph type="ctrTitle"/>
+          </p:nvPr>
+        </p:nvSpPr>
+        <p:spPr/>
+        <p:txBody>
+          <a:bodyPr/>
+          <a:p>
+            <a:endParaRPr lang="zh-CN" altLang="en-US"/>
+          </a:p>
+        </p:txBody>
+      </p:sp>
+      <p:sp>
+        <p:nvSpPr>
+          <p:cNvPr id="3" name="副标题 2"/>
+          <p:cNvSpPr>
+            <a:spLocks noGrp="1"/>
+          </p:cNvSpPr>
+          <p:nvPr>
+            <p:ph type="subTitle" idx="1"/>
+          </p:nvPr>
+        </p:nvSpPr>
+        <p:spPr/>
+        <p:txBody>
+          <a:bodyPr/>
+          <a:p>
+            <a:endParaRPr lang="zh-CN" altLang="en-US"/>
+          </a:p>
+        </p:txBody>
+      </p:sp>
+    </p:spTree>
+  </p:cSld>
+  <p:clrMapOvr>
+    <a:masterClrMapping/>
+  </p:clrMapOvr>
+</p:sld>
+</file>
+
+<file path=ppt/slides/slide2.xml><?xml version="1.0" encoding="utf-8"?>
+<p:sld xmlns:a="http://schemas.openxmlformats.org/drawingml/2006/main" xmlns:r="http://schemas.openxmlformats.org/officeDocument/2006/relationships" xmlns:p="http://schemas.openxmlformats.org/presentationml/2006/main">
+  <p:cSld>
+    <p:spTree>
+      <p:nvGrpSpPr>
+        <p:cNvPr id="1" name=""/>
+        <p:cNvGrpSpPr/>
+        <p:nvPr/>
+      </p:nvGrpSpPr>
+      <p:grpSpPr/>
+      <p:sp>
+        <p:nvSpPr>
+          <p:cNvPr id="2" name="标题 1"/>
+          <p:cNvSpPr>
+            <a:spLocks noGrp="1"/>
+          </p:cNvSpPr>
+          <p:nvPr>
+            <p:ph type="title"/>
+          </p:nvPr>
+        </p:nvSpPr>
+        <p:spPr/>
+        <p:txBody>
+          <a:bodyPr/>
+          <a:p>
+            <a:r>
+              <a:rPr lang="zh-CN" altLang="en-US"/>
+              <a:t>基本结构</a:t>
+            </a:r>
+            <a:endParaRPr lang="zh-CN" altLang="en-US"/>
+          </a:p>
+        </p:txBody>
+      </p:sp>
+      <p:pic>
+        <p:nvPicPr>
+          <p:cNvPr id="4" name="内容占位符 3"/>
+          <p:cNvPicPr>
+            <a:picLocks noChangeAspect="1"/>
+          </p:cNvPicPr>
+          <p:nvPr>
+            <p:ph idx="1"/>
+          </p:nvPr>
+        </p:nvPicPr>
+        <p:blipFill>
+          <a:blip r:embed="rId1"/>
+          <a:stretch>
+            <a:fillRect/>
+          </a:stretch>
+        </p:blipFill>
+        <p:spPr>
+          <a:xfrm>
+            <a:off x="2771140" y="2862580"/>
+            <a:ext cx="6648450" cy="2276475"/>
+          </a:xfrm>
+          <a:prstGeom prst="rect">
+            <a:avLst/>
+          </a:prstGeom>
+        </p:spPr>
+      </p:pic>
+    </p:spTree>
+  </p:cSld>
+  <p:clrMapOvr>
+    <a:masterClrMapping/>
+  </p:clrMapOvr>
+</p:sld>
+</file>
+
+<file path=ppt/slides/slide3.xml><?xml version="1.0" encoding="utf-8"?>
+<p:sld xmlns:a="http://schemas.openxmlformats.org/drawingml/2006/main" xmlns:r="http://schemas.openxmlformats.org/officeDocument/2006/relationships" xmlns:p="http://schemas.openxmlformats.org/presentationml/2006/main">
+  <p:cSld>
+    <p:spTree>
+      <p:nvGrpSpPr>
+        <p:cNvPr id="1" name=""/>
+        <p:cNvGrpSpPr/>
+        <p:nvPr/>
+      </p:nvGrpSpPr>
+      <p:grpSpPr/>
+      <p:sp>
+        <p:nvSpPr>
+          <p:cNvPr id="2" name="标题 1"/>
+          <p:cNvSpPr>
+            <a:spLocks noGrp="1"/>
+          </p:cNvSpPr>
+          <p:nvPr>
+            <p:ph type="title"/>
+          </p:nvPr>
+        </p:nvSpPr>
+        <p:spPr/>
+        <p:txBody>
+          <a:bodyPr/>
+          <a:p>
+            <a:endParaRPr lang="zh-CN" altLang="en-US"/>
+          </a:p>
+        </p:txBody>
+      </p:sp>
+      <p:pic>
+        <p:nvPicPr>
+          <p:cNvPr id="4" name="内容占位符 3"/>
+          <p:cNvPicPr>
+            <a:picLocks noChangeAspect="1"/>
+          </p:cNvPicPr>
+          <p:nvPr>
+            <p:ph idx="1"/>
+          </p:nvPr>
+        </p:nvPicPr>
+        <p:blipFill>
+          <a:blip r:embed="rId1"/>
+          <a:stretch>
+            <a:fillRect/>
+          </a:stretch>
+        </p:blipFill>
+        <p:spPr>
+          <a:xfrm>
+            <a:off x="3457575" y="1825625"/>
+            <a:ext cx="5276215" cy="4351655"/>
+          </a:xfrm>
+          <a:prstGeom prst="rect">
+            <a:avLst/>
+          </a:prstGeom>
+        </p:spPr>
+      </p:pic>
+    </p:spTree>
+  </p:cSld>
+  <p:clrMapOvr>
+    <a:masterClrMapping/>
+  </p:clrMapOvr>
+</p:sld>
+</file>
+
 <file path=ppt/theme/theme1.xml><?xml version="1.0" encoding="utf-8"?>
 <a:theme xmlns:a="http://schemas.openxmlformats.org/drawingml/2006/main" name="Office 主题">
   <a:themeElements>
@@ -2987,7 +3131,7 @@
     </a:clrScheme>
     <a:fontScheme name="Office">
       <a:majorFont>
-        <a:latin typeface="Calibri Light" panose="020F0302020204030204"/>
+        <a:latin typeface="Calibri Light"/>
         <a:ea typeface=""/>
         <a:cs typeface=""/>
         <a:font script="Jpan" typeface="ＭＳ Ｐゴシック"/>
@@ -3022,7 +3166,7 @@
         <a:font script="Geor" typeface="Sylfaen"/>
       </a:majorFont>
       <a:minorFont>
-        <a:latin typeface="Calibri" panose="020F0502020204030204"/>
+        <a:latin typeface="Calibri"/>
         <a:ea typeface=""/>
         <a:cs typeface=""/>
         <a:font script="Jpan" typeface="ＭＳ Ｐゴシック"/>
